--- a/Electric Imp 201.pptx
+++ b/Electric Imp 201.pptx
@@ -3174,10 +3174,32 @@
         </p:nvSpPr>
         <p:spPr/>
         <p:txBody>
-          <a:bodyPr/>
-          <a:lstStyle/>
-          <a:p>
-            <a:endParaRPr lang="en-US" dirty="0"/>
+          <a:bodyPr>
+            <a:normAutofit fontScale="85000" lnSpcReduction="20000"/>
+          </a:bodyPr>
+          <a:lstStyle/>
+          <a:p>
+            <a:r>
+              <a:rPr lang="en-US" dirty="0" smtClean="0"/>
+              <a:t>Matt Haines</a:t>
+            </a:r>
+          </a:p>
+          <a:p>
+            <a:r>
+              <a:rPr lang="en-US" dirty="0" err="1"/>
+              <a:t>matt@electricimp.com</a:t>
+            </a:r>
+            <a:endParaRPr lang="en-US" dirty="0"/>
+          </a:p>
+          <a:p>
+            <a:endParaRPr lang="en-US" dirty="0" smtClean="0"/>
+          </a:p>
+          <a:p>
+            <a:r>
+              <a:rPr lang="en-US" dirty="0" smtClean="0"/>
+              <a:t>Software Solutions Engineer</a:t>
+            </a:r>
+            <a:endParaRPr lang="en-US" dirty="0" smtClean="0"/>
           </a:p>
         </p:txBody>
       </p:sp>
@@ -6856,7 +6878,11 @@
               <a:buNone/>
             </a:pPr>
             <a:r>
-              <a:rPr lang="en-US" dirty="0" err="1"/>
+              <a:rPr lang="en-US" dirty="0" smtClean="0"/>
+              <a:t>/</a:t>
+            </a:r>
+            <a:r>
+              <a:rPr lang="en-US" dirty="0" err="1" smtClean="0"/>
               <a:t>webservices</a:t>
             </a:r>
             <a:r>
@@ -7150,289 +7176,339 @@
         </p:spPr>
         <p:txBody>
           <a:bodyPr>
-            <a:normAutofit fontScale="55000" lnSpcReduction="20000"/>
+            <a:normAutofit fontScale="70000" lnSpcReduction="20000"/>
           </a:bodyPr>
           <a:lstStyle/>
           <a:p>
-            <a:r>
-              <a:rPr lang="en-US" dirty="0" smtClean="0"/>
-              <a:t>imp.wakeup</a:t>
-            </a:r>
-          </a:p>
-          <a:p>
-            <a:pPr lvl="1"/>
-            <a:r>
-              <a:rPr lang="en-US" dirty="0" smtClean="0"/>
+            <a:pPr>
+              <a:tabLst>
+                <a:tab pos="2516188" algn="l"/>
+              </a:tabLst>
+            </a:pPr>
+            <a:r>
+              <a:rPr lang="en-US" dirty="0" smtClean="0"/>
+              <a:t>imp.wakeup 	</a:t>
+            </a:r>
+            <a:r>
+              <a:rPr lang="en-US" sz="2900" dirty="0" smtClean="0"/>
               <a:t>https://</a:t>
             </a:r>
             <a:r>
-              <a:rPr lang="en-US" dirty="0" err="1" smtClean="0"/>
+              <a:rPr lang="en-US" sz="2900" dirty="0" err="1" smtClean="0"/>
               <a:t>electricimp.com</a:t>
             </a:r>
             <a:r>
-              <a:rPr lang="en-US" dirty="0" smtClean="0"/>
+              <a:rPr lang="en-US" sz="2900" dirty="0" smtClean="0"/>
               <a:t>/docs/</a:t>
             </a:r>
             <a:r>
-              <a:rPr lang="en-US" dirty="0" err="1" smtClean="0"/>
+              <a:rPr lang="en-US" sz="2900" dirty="0" err="1" smtClean="0"/>
               <a:t>api</a:t>
             </a:r>
             <a:r>
-              <a:rPr lang="en-US" dirty="0" smtClean="0"/>
+              <a:rPr lang="en-US" sz="2900" dirty="0" smtClean="0"/>
               <a:t>/imp/wakeup</a:t>
             </a:r>
-            <a:endParaRPr lang="en-US" dirty="0" smtClean="0"/>
-          </a:p>
-          <a:p>
-            <a:r>
-              <a:rPr lang="en-US" dirty="0" smtClean="0"/>
-              <a:t>imp.sleep</a:t>
-            </a:r>
-          </a:p>
-          <a:p>
-            <a:pPr lvl="1"/>
-            <a:r>
-              <a:rPr lang="en-US" dirty="0" smtClean="0"/>
+            <a:endParaRPr lang="en-US" sz="2900" dirty="0" smtClean="0"/>
+          </a:p>
+          <a:p>
+            <a:pPr>
+              <a:tabLst>
+                <a:tab pos="2516188" algn="l"/>
+              </a:tabLst>
+            </a:pPr>
+            <a:r>
+              <a:rPr lang="en-US" dirty="0" smtClean="0"/>
+              <a:t>imp.sleep 	</a:t>
+            </a:r>
+            <a:r>
+              <a:rPr lang="en-US" sz="2900" dirty="0" smtClean="0"/>
               <a:t>https</a:t>
             </a:r>
             <a:r>
-              <a:rPr lang="en-US" dirty="0"/>
+              <a:rPr lang="en-US" sz="2900" dirty="0"/>
               <a:t>://</a:t>
             </a:r>
             <a:r>
-              <a:rPr lang="en-US" dirty="0" err="1"/>
+              <a:rPr lang="en-US" sz="2900" dirty="0" err="1"/>
               <a:t>electricimp.com</a:t>
             </a:r>
             <a:r>
-              <a:rPr lang="en-US" dirty="0"/>
+              <a:rPr lang="en-US" sz="2900" dirty="0"/>
               <a:t>/docs/</a:t>
             </a:r>
             <a:r>
-              <a:rPr lang="en-US" dirty="0" err="1"/>
+              <a:rPr lang="en-US" sz="2900" dirty="0" err="1"/>
               <a:t>api</a:t>
             </a:r>
             <a:r>
-              <a:rPr lang="en-US" dirty="0"/>
-              <a:t>/imp/</a:t>
-            </a:r>
-            <a:r>
-              <a:rPr lang="en-US" dirty="0" smtClean="0"/>
-              <a:t>wakeup</a:t>
-            </a:r>
-            <a:endParaRPr lang="en-US" dirty="0" smtClean="0"/>
-          </a:p>
-          <a:p>
+              <a:rPr lang="en-US" sz="2900" dirty="0"/>
+              <a:t>/imp</a:t>
+            </a:r>
+            <a:r>
+              <a:rPr lang="en-US" sz="2900" dirty="0" smtClean="0"/>
+              <a:t>/sleep</a:t>
+            </a:r>
+            <a:endParaRPr lang="en-US" sz="2900" dirty="0" smtClean="0"/>
+          </a:p>
+          <a:p>
+            <a:pPr>
+              <a:tabLst>
+                <a:tab pos="2516188" algn="l"/>
+              </a:tabLst>
+            </a:pPr>
             <a:r>
               <a:rPr lang="en-US" dirty="0" err="1" smtClean="0"/>
               <a:t>server.sleepfor</a:t>
             </a:r>
-            <a:endParaRPr lang="en-US" dirty="0" smtClean="0"/>
-          </a:p>
-          <a:p>
-            <a:pPr lvl="1"/>
-            <a:r>
-              <a:rPr lang="en-US" dirty="0"/>
-              <a:t>https://</a:t>
-            </a:r>
-            <a:r>
-              <a:rPr lang="en-US" dirty="0" err="1"/>
+            <a:r>
+              <a:rPr lang="en-US" dirty="0" smtClean="0"/>
+              <a:t> 	</a:t>
+            </a:r>
+            <a:r>
+              <a:rPr lang="en-US" sz="2900" dirty="0" smtClean="0"/>
+              <a:t>https</a:t>
+            </a:r>
+            <a:r>
+              <a:rPr lang="en-US" sz="2900" dirty="0"/>
+              <a:t>://</a:t>
+            </a:r>
+            <a:r>
+              <a:rPr lang="en-US" sz="2900" dirty="0" err="1"/>
               <a:t>electricimp.com</a:t>
             </a:r>
             <a:r>
-              <a:rPr lang="en-US" dirty="0"/>
+              <a:rPr lang="en-US" sz="2900" dirty="0"/>
               <a:t>/docs/</a:t>
             </a:r>
             <a:r>
-              <a:rPr lang="en-US" dirty="0" err="1"/>
+              <a:rPr lang="en-US" sz="2900" dirty="0" err="1"/>
               <a:t>api</a:t>
             </a:r>
             <a:r>
-              <a:rPr lang="en-US" dirty="0"/>
-              <a:t>/imp/</a:t>
-            </a:r>
-            <a:r>
-              <a:rPr lang="en-US" dirty="0" smtClean="0"/>
-              <a:t>wakeup</a:t>
-            </a:r>
-            <a:endParaRPr lang="en-US" dirty="0" smtClean="0"/>
-          </a:p>
-          <a:p>
+              <a:rPr lang="en-US" sz="2900" dirty="0" smtClean="0"/>
+              <a:t>/server/</a:t>
+            </a:r>
+            <a:r>
+              <a:rPr lang="en-US" sz="2900" dirty="0" err="1" smtClean="0"/>
+              <a:t>sleepfor</a:t>
+            </a:r>
+            <a:endParaRPr lang="en-US" sz="2900" dirty="0" smtClean="0"/>
+          </a:p>
+          <a:p>
+            <a:pPr>
+              <a:tabLst>
+                <a:tab pos="2516188" algn="l"/>
+              </a:tabLst>
+            </a:pPr>
             <a:r>
               <a:rPr lang="en-US" dirty="0" err="1" smtClean="0"/>
               <a:t>imp.deepsleepfor</a:t>
             </a:r>
+            <a:r>
+              <a:rPr lang="en-US" dirty="0" smtClean="0"/>
+              <a:t> 	</a:t>
+            </a:r>
+            <a:r>
+              <a:rPr lang="en-US" sz="2900" dirty="0" smtClean="0"/>
+              <a:t>https</a:t>
+            </a:r>
+            <a:r>
+              <a:rPr lang="en-US" sz="2900" dirty="0"/>
+              <a:t>://</a:t>
+            </a:r>
+            <a:r>
+              <a:rPr lang="en-US" sz="2900" dirty="0" err="1"/>
+              <a:t>electricimp.com</a:t>
+            </a:r>
+            <a:r>
+              <a:rPr lang="en-US" sz="2900" dirty="0"/>
+              <a:t>/docs/</a:t>
+            </a:r>
+            <a:r>
+              <a:rPr lang="en-US" sz="2900" dirty="0" err="1"/>
+              <a:t>api</a:t>
+            </a:r>
+            <a:r>
+              <a:rPr lang="en-US" sz="2900" dirty="0" smtClean="0"/>
+              <a:t>/imp/</a:t>
+            </a:r>
+            <a:r>
+              <a:rPr lang="en-US" dirty="0" err="1" smtClean="0"/>
+              <a:t>deepsleepfor</a:t>
+            </a:r>
             <a:endParaRPr lang="en-US" dirty="0" smtClean="0"/>
           </a:p>
           <a:p>
-            <a:pPr lvl="1"/>
-            <a:r>
-              <a:rPr lang="en-US" dirty="0"/>
-              <a:t>https://</a:t>
-            </a:r>
-            <a:r>
-              <a:rPr lang="en-US" dirty="0" err="1"/>
+            <a:pPr>
+              <a:tabLst>
+                <a:tab pos="2516188" algn="l"/>
+              </a:tabLst>
+            </a:pPr>
+            <a:r>
+              <a:rPr lang="en-US" dirty="0" smtClean="0"/>
+              <a:t>http.onrequest 	</a:t>
+            </a:r>
+            <a:r>
+              <a:rPr lang="en-US" sz="2900" dirty="0" smtClean="0"/>
+              <a:t>https</a:t>
+            </a:r>
+            <a:r>
+              <a:rPr lang="en-US" sz="2900" dirty="0"/>
+              <a:t>://</a:t>
+            </a:r>
+            <a:r>
+              <a:rPr lang="en-US" sz="2900" dirty="0" err="1"/>
               <a:t>electricimp.com</a:t>
             </a:r>
             <a:r>
-              <a:rPr lang="en-US" dirty="0"/>
+              <a:rPr lang="en-US" sz="2900" dirty="0"/>
               <a:t>/docs/</a:t>
             </a:r>
             <a:r>
-              <a:rPr lang="en-US" dirty="0" err="1"/>
+              <a:rPr lang="en-US" sz="2900" dirty="0" err="1"/>
               <a:t>api</a:t>
             </a:r>
             <a:r>
-              <a:rPr lang="en-US" dirty="0"/>
-              <a:t>/imp/</a:t>
-            </a:r>
-            <a:r>
-              <a:rPr lang="en-US" dirty="0" smtClean="0"/>
-              <a:t>wakeup</a:t>
+              <a:rPr lang="en-US" sz="2900" dirty="0" smtClean="0"/>
+              <a:t>/http/</a:t>
+            </a:r>
+            <a:r>
+              <a:rPr lang="en-US" sz="2900" dirty="0" err="1" smtClean="0"/>
+              <a:t>onrequest</a:t>
+            </a:r>
+            <a:endParaRPr lang="en-US" sz="2900" dirty="0" smtClean="0"/>
+          </a:p>
+          <a:p>
+            <a:pPr>
+              <a:tabLst>
+                <a:tab pos="2516188" algn="l"/>
+              </a:tabLst>
+            </a:pPr>
+            <a:r>
+              <a:rPr lang="en-US" dirty="0" smtClean="0"/>
+              <a:t>Rocky	</a:t>
+            </a:r>
+            <a:r>
+              <a:rPr lang="en-US" sz="2900" dirty="0" smtClean="0"/>
+              <a:t>https</a:t>
+            </a:r>
+            <a:r>
+              <a:rPr lang="en-US" sz="2900" dirty="0"/>
+              <a:t>:/</a:t>
+            </a:r>
+            <a:r>
+              <a:rPr lang="en-US" sz="2900" dirty="0" smtClean="0"/>
+              <a:t>/</a:t>
+            </a:r>
+            <a:r>
+              <a:rPr lang="en-US" sz="2900" dirty="0" err="1" smtClean="0"/>
+              <a:t>github.com</a:t>
+            </a:r>
+            <a:r>
+              <a:rPr lang="en-US" sz="2900" dirty="0" smtClean="0"/>
+              <a:t>/</a:t>
+            </a:r>
+            <a:r>
+              <a:rPr lang="en-US" sz="2900" dirty="0" err="1" smtClean="0"/>
+              <a:t>electricimp</a:t>
+            </a:r>
+            <a:r>
+              <a:rPr lang="en-US" sz="2900" dirty="0" smtClean="0"/>
+              <a:t>/rocky</a:t>
             </a:r>
             <a:endParaRPr lang="en-US" dirty="0" smtClean="0"/>
           </a:p>
           <a:p>
-            <a:r>
-              <a:rPr lang="en-US" dirty="0" smtClean="0"/>
-              <a:t>http.onrequest</a:t>
-            </a:r>
-          </a:p>
-          <a:p>
-            <a:pPr lvl="1"/>
-            <a:r>
-              <a:rPr lang="en-US" dirty="0" smtClean="0"/>
-              <a:t>https</a:t>
-            </a:r>
-            <a:r>
-              <a:rPr lang="en-US" dirty="0"/>
-              <a:t>://</a:t>
-            </a:r>
-            <a:r>
-              <a:rPr lang="en-US" dirty="0" err="1"/>
-              <a:t>electricimp.com</a:t>
-            </a:r>
-            <a:r>
-              <a:rPr lang="en-US" dirty="0"/>
-              <a:t>/docs/</a:t>
-            </a:r>
-            <a:r>
-              <a:rPr lang="en-US" dirty="0" err="1"/>
-              <a:t>api</a:t>
-            </a:r>
-            <a:r>
-              <a:rPr lang="en-US" dirty="0"/>
-              <a:t>/imp/</a:t>
-            </a:r>
-            <a:r>
-              <a:rPr lang="en-US" dirty="0" smtClean="0"/>
-              <a:t>wakeup</a:t>
-            </a:r>
-            <a:endParaRPr lang="en-US" dirty="0" smtClean="0"/>
-          </a:p>
-          <a:p>
-            <a:r>
-              <a:rPr lang="en-US" dirty="0" smtClean="0"/>
-              <a:t>Rocky</a:t>
-            </a:r>
-          </a:p>
-          <a:p>
-            <a:pPr lvl="1"/>
-            <a:r>
-              <a:rPr lang="en-US" dirty="0"/>
-              <a:t>https://</a:t>
-            </a:r>
-            <a:r>
-              <a:rPr lang="en-US" dirty="0" err="1"/>
-              <a:t>electricimp.com</a:t>
-            </a:r>
-            <a:r>
-              <a:rPr lang="en-US" dirty="0"/>
-              <a:t>/docs/</a:t>
-            </a:r>
-            <a:r>
-              <a:rPr lang="en-US" dirty="0" err="1"/>
-              <a:t>api</a:t>
-            </a:r>
-            <a:r>
-              <a:rPr lang="en-US" dirty="0"/>
-              <a:t>/imp/</a:t>
-            </a:r>
-            <a:r>
-              <a:rPr lang="en-US" dirty="0" smtClean="0"/>
-              <a:t>wakeup</a:t>
-            </a:r>
-            <a:endParaRPr lang="en-US" dirty="0"/>
-          </a:p>
-          <a:p>
+            <a:pPr>
+              <a:tabLst>
+                <a:tab pos="2516188" algn="l"/>
+              </a:tabLst>
+            </a:pPr>
             <a:r>
               <a:rPr lang="en-US" dirty="0" err="1" smtClean="0"/>
               <a:t>http.request</a:t>
             </a:r>
-            <a:endParaRPr lang="en-US" dirty="0"/>
-          </a:p>
-          <a:p>
-            <a:pPr lvl="1"/>
-            <a:r>
-              <a:rPr lang="en-US" dirty="0" smtClean="0"/>
+            <a:r>
+              <a:rPr lang="en-US" dirty="0" smtClean="0"/>
+              <a:t>	</a:t>
+            </a:r>
+            <a:r>
+              <a:rPr lang="en-US" sz="2900" dirty="0" smtClean="0"/>
+              <a:t>https:</a:t>
+            </a:r>
+            <a:r>
+              <a:rPr lang="en-US" sz="2900" dirty="0"/>
+              <a:t>//</a:t>
+            </a:r>
+            <a:r>
+              <a:rPr lang="en-US" sz="2900" dirty="0" err="1"/>
+              <a:t>electricimp.com</a:t>
+            </a:r>
+            <a:r>
+              <a:rPr lang="en-US" sz="2900" dirty="0"/>
+              <a:t>/docs/</a:t>
+            </a:r>
+            <a:r>
+              <a:rPr lang="en-US" sz="2900" dirty="0" err="1"/>
+              <a:t>api</a:t>
+            </a:r>
+            <a:r>
+              <a:rPr lang="en-US" sz="2900" dirty="0" smtClean="0"/>
+              <a:t>/http/request</a:t>
+            </a:r>
+          </a:p>
+          <a:p>
+            <a:pPr>
+              <a:tabLst>
+                <a:tab pos="2516188" algn="l"/>
+              </a:tabLst>
+            </a:pPr>
+            <a:endParaRPr lang="en-US" dirty="0" smtClean="0"/>
+          </a:p>
+          <a:p>
+            <a:pPr>
+              <a:tabLst>
+                <a:tab pos="2516188" algn="l"/>
+              </a:tabLst>
+            </a:pPr>
+            <a:endParaRPr lang="en-US" dirty="0" smtClean="0"/>
+          </a:p>
+          <a:p>
+            <a:pPr>
+              <a:tabLst>
+                <a:tab pos="2516188" algn="l"/>
+              </a:tabLst>
+            </a:pPr>
+            <a:r>
+              <a:rPr lang="en-US" dirty="0" smtClean="0"/>
+              <a:t>Libraries 	</a:t>
+            </a:r>
+            <a:r>
+              <a:rPr lang="en-US" sz="2900" dirty="0" smtClean="0"/>
               <a:t>https</a:t>
             </a:r>
             <a:r>
-              <a:rPr lang="en-US" dirty="0"/>
+              <a:rPr lang="en-US" sz="2900" dirty="0"/>
               <a:t>://</a:t>
             </a:r>
             <a:r>
-              <a:rPr lang="en-US" dirty="0" err="1"/>
+              <a:rPr lang="en-US" sz="2900" dirty="0" err="1"/>
               <a:t>electricimp.com</a:t>
             </a:r>
             <a:r>
-              <a:rPr lang="en-US" dirty="0"/>
+              <a:rPr lang="en-US" sz="2900" dirty="0"/>
               <a:t>/docs/</a:t>
             </a:r>
             <a:r>
-              <a:rPr lang="en-US" dirty="0" err="1"/>
+              <a:rPr lang="en-US" sz="2900" dirty="0" err="1"/>
               <a:t>api</a:t>
             </a:r>
             <a:r>
-              <a:rPr lang="en-US" dirty="0"/>
-              <a:t>/imp/</a:t>
-            </a:r>
-            <a:r>
-              <a:rPr lang="en-US" dirty="0" smtClean="0"/>
-              <a:t>wakeup</a:t>
-            </a:r>
-            <a:endParaRPr lang="en-US" dirty="0"/>
-          </a:p>
-          <a:p>
-            <a:endParaRPr lang="en-US" dirty="0" smtClean="0"/>
-          </a:p>
-          <a:p>
-            <a:r>
-              <a:rPr lang="en-US" dirty="0" smtClean="0"/>
-              <a:t>Libraries</a:t>
-            </a:r>
-          </a:p>
-          <a:p>
-            <a:pPr lvl="1"/>
-            <a:r>
-              <a:rPr lang="en-US" dirty="0"/>
-              <a:t>https://</a:t>
-            </a:r>
-            <a:r>
-              <a:rPr lang="en-US" dirty="0" err="1"/>
-              <a:t>electricimp.com</a:t>
-            </a:r>
-            <a:r>
-              <a:rPr lang="en-US" dirty="0"/>
-              <a:t>/docs/</a:t>
-            </a:r>
-            <a:r>
-              <a:rPr lang="en-US" dirty="0" err="1"/>
-              <a:t>api</a:t>
-            </a:r>
-            <a:r>
-              <a:rPr lang="en-US" dirty="0"/>
-              <a:t>/imp/wakeup</a:t>
-            </a:r>
+              <a:rPr lang="en-US" sz="2900" dirty="0" smtClean="0"/>
+              <a:t>/examples/libraries</a:t>
+            </a:r>
+            <a:endParaRPr lang="en-US" sz="2900" dirty="0"/>
           </a:p>
           <a:p>
             <a:pPr lvl="1"/>
